--- a/01 Classes/Aula 04 Programação Python - Estrutura de Seleção.pptx
+++ b/01 Classes/Aula 04 Programação Python - Estrutura de Seleção.pptx
@@ -6519,7 +6519,7 @@
                 <a:latin typeface="Times New Roman" panose="02020603050405020304" pitchFamily="18" charset="0"/>
                 <a:cs typeface="Times New Roman" panose="02020603050405020304" pitchFamily="18" charset="0"/>
               </a:rPr>
-              <a:t>Exemplo</a:t>
+              <a:t>Exemplo Simples</a:t>
             </a:r>
             <a:r>
               <a:rPr lang="pt-BR" b="1" dirty="0">
@@ -6530,6 +6530,21 @@
                 <a:cs typeface="Times New Roman" panose="02020603050405020304" pitchFamily="18" charset="0"/>
               </a:rPr>
               <a:t>:		</a:t>
+            </a:r>
+          </a:p>
+          <a:p>
+            <a:pPr marL="0" indent="0" algn="just">
+              <a:buNone/>
+            </a:pPr>
+            <a:r>
+              <a:rPr lang="pt-BR" b="1" dirty="0">
+                <a:solidFill>
+                  <a:schemeClr val="tx1"/>
+                </a:solidFill>
+                <a:latin typeface="Times New Roman" panose="02020603050405020304" pitchFamily="18" charset="0"/>
+                <a:cs typeface="Times New Roman" panose="02020603050405020304" pitchFamily="18" charset="0"/>
+              </a:rPr>
+              <a:t>					</a:t>
             </a:r>
             <a:r>
               <a:rPr lang="it-IT" dirty="0">
@@ -7514,7 +7529,7 @@
                 <a:latin typeface="Times New Roman" panose="02020603050405020304" pitchFamily="18" charset="0"/>
                 <a:cs typeface="Times New Roman" panose="02020603050405020304" pitchFamily="18" charset="0"/>
               </a:rPr>
-              <a:t>Exemplo</a:t>
+              <a:t>Exemplo Composta</a:t>
             </a:r>
             <a:r>
               <a:rPr lang="pt-BR" b="1" dirty="0">
@@ -7525,6 +7540,21 @@
                 <a:cs typeface="Times New Roman" panose="02020603050405020304" pitchFamily="18" charset="0"/>
               </a:rPr>
               <a:t>:		</a:t>
+            </a:r>
+          </a:p>
+          <a:p>
+            <a:pPr marL="0" indent="0" algn="just">
+              <a:buNone/>
+            </a:pPr>
+            <a:r>
+              <a:rPr lang="pt-BR" b="1" dirty="0">
+                <a:solidFill>
+                  <a:schemeClr val="tx1"/>
+                </a:solidFill>
+                <a:latin typeface="Times New Roman" panose="02020603050405020304" pitchFamily="18" charset="0"/>
+                <a:cs typeface="Times New Roman" panose="02020603050405020304" pitchFamily="18" charset="0"/>
+              </a:rPr>
+              <a:t>					</a:t>
             </a:r>
             <a:r>
               <a:rPr lang="it-IT" dirty="0">

--- a/01 Classes/Aula 04 Programação Python - Estrutura de Seleção.pptx
+++ b/01 Classes/Aula 04 Programação Python - Estrutura de Seleção.pptx
@@ -4323,7 +4323,27 @@
             <a:pPr marL="0" indent="0" algn="just">
               <a:buNone/>
             </a:pPr>
-            <a:endParaRPr lang="pt-BR" dirty="0">
+            <a:r>
+              <a:rPr lang="pt-BR" sz="2000" dirty="0">
+                <a:latin typeface="Times New Roman" panose="02020603050405020304" pitchFamily="18" charset="0"/>
+                <a:cs typeface="Times New Roman" panose="02020603050405020304" pitchFamily="18" charset="0"/>
+              </a:rPr>
+              <a:t>[1] Site:</a:t>
+            </a:r>
+          </a:p>
+          <a:p>
+            <a:pPr marL="0" indent="0" algn="just">
+              <a:buNone/>
+            </a:pPr>
+            <a:r>
+              <a:rPr lang="pt-BR" sz="2000" dirty="0">
+                <a:latin typeface="Times New Roman" panose="02020603050405020304" pitchFamily="18" charset="0"/>
+                <a:cs typeface="Times New Roman" panose="02020603050405020304" pitchFamily="18" charset="0"/>
+                <a:hlinkClick r:id="rId3"/>
+              </a:rPr>
+              <a:t>https://www.w3schools.com/python/python_variables.asp</a:t>
+            </a:r>
+            <a:endParaRPr lang="pt-BR" sz="2000" dirty="0">
               <a:latin typeface="Times New Roman" panose="02020603050405020304" pitchFamily="18" charset="0"/>
               <a:cs typeface="Times New Roman" panose="02020603050405020304" pitchFamily="18" charset="0"/>
             </a:endParaRPr>
@@ -4332,27 +4352,45 @@
             <a:pPr marL="0" indent="0" algn="just">
               <a:buNone/>
             </a:pPr>
-            <a:r>
-              <a:rPr lang="pt-BR" dirty="0">
-                <a:latin typeface="Times New Roman" panose="02020603050405020304" pitchFamily="18" charset="0"/>
-                <a:cs typeface="Times New Roman" panose="02020603050405020304" pitchFamily="18" charset="0"/>
-              </a:rPr>
-              <a:t>[1] Site:</a:t>
-            </a:r>
+            <a:endParaRPr lang="pt-BR" sz="2000">
+              <a:latin typeface="Times New Roman" panose="02020603050405020304" pitchFamily="18" charset="0"/>
+              <a:cs typeface="Times New Roman" panose="02020603050405020304" pitchFamily="18" charset="0"/>
+              <a:hlinkClick r:id="rId4"/>
+            </a:endParaRPr>
           </a:p>
           <a:p>
             <a:pPr marL="0" indent="0" algn="just">
               <a:buNone/>
             </a:pPr>
             <a:r>
-              <a:rPr lang="pt-BR" dirty="0">
-                <a:latin typeface="Times New Roman" panose="02020603050405020304" pitchFamily="18" charset="0"/>
-                <a:cs typeface="Times New Roman" panose="02020603050405020304" pitchFamily="18" charset="0"/>
-                <a:hlinkClick r:id="rId3"/>
-              </a:rPr>
-              <a:t>https://www.w3schools.com/python/python_variables.asp</a:t>
-            </a:r>
-            <a:endParaRPr lang="pt-BR" dirty="0">
+              <a:rPr lang="pt-BR" sz="2000">
+                <a:latin typeface="Times New Roman" panose="02020603050405020304" pitchFamily="18" charset="0"/>
+                <a:cs typeface="Times New Roman" panose="02020603050405020304" pitchFamily="18" charset="0"/>
+                <a:hlinkClick r:id="rId4"/>
+              </a:rPr>
+              <a:t>https</a:t>
+            </a:r>
+            <a:r>
+              <a:rPr lang="pt-BR" sz="2000" dirty="0">
+                <a:latin typeface="Times New Roman" panose="02020603050405020304" pitchFamily="18" charset="0"/>
+                <a:cs typeface="Times New Roman" panose="02020603050405020304" pitchFamily="18" charset="0"/>
+                <a:hlinkClick r:id="rId4"/>
+              </a:rPr>
+              <a:t>://www.hashtagtreinamentos.com/estruturas-condicionais-no-python?gad=1&amp;gclid=Cj0KCQjw0bunBhD9ARIsAAZl0E0S7mLV8qZXM6TyYiBgGErp5v2P5MMo8-GXuCbrON_BdrKHSNVUfGwaAsOVEALw_wcB</a:t>
+            </a:r>
+            <a:r>
+              <a:rPr lang="pt-BR" sz="2000" dirty="0">
+                <a:latin typeface="Times New Roman" panose="02020603050405020304" pitchFamily="18" charset="0"/>
+                <a:cs typeface="Times New Roman" panose="02020603050405020304" pitchFamily="18" charset="0"/>
+              </a:rPr>
+              <a:t> </a:t>
+            </a:r>
+          </a:p>
+          <a:p>
+            <a:pPr marL="0" indent="0" algn="just">
+              <a:buNone/>
+            </a:pPr>
+            <a:endParaRPr lang="pt-BR" sz="2000" dirty="0">
               <a:latin typeface="Times New Roman" panose="02020603050405020304" pitchFamily="18" charset="0"/>
               <a:cs typeface="Times New Roman" panose="02020603050405020304" pitchFamily="18" charset="0"/>
             </a:endParaRPr>
@@ -4361,7 +4399,22 @@
             <a:pPr marL="0" indent="0" algn="just">
               <a:buNone/>
             </a:pPr>
-            <a:endParaRPr lang="pt-BR" dirty="0">
+            <a:r>
+              <a:rPr lang="pt-BR" sz="2000" dirty="0">
+                <a:latin typeface="Times New Roman" panose="02020603050405020304" pitchFamily="18" charset="0"/>
+                <a:cs typeface="Times New Roman" panose="02020603050405020304" pitchFamily="18" charset="0"/>
+              </a:rPr>
+              <a:t>[2] Site: </a:t>
+            </a:r>
+            <a:r>
+              <a:rPr lang="pt-BR" sz="2000" dirty="0">
+                <a:latin typeface="Times New Roman" panose="02020603050405020304" pitchFamily="18" charset="0"/>
+                <a:cs typeface="Times New Roman" panose="02020603050405020304" pitchFamily="18" charset="0"/>
+                <a:hlinkClick r:id="rId5"/>
+              </a:rPr>
+              <a:t>https://docs.python.org/pt-br/3/tutorial/</a:t>
+            </a:r>
+            <a:endParaRPr lang="pt-BR" sz="2000" dirty="0">
               <a:latin typeface="Times New Roman" panose="02020603050405020304" pitchFamily="18" charset="0"/>
               <a:cs typeface="Times New Roman" panose="02020603050405020304" pitchFamily="18" charset="0"/>
             </a:endParaRPr>
@@ -4370,7 +4423,7 @@
             <a:pPr marL="0" indent="0" algn="just">
               <a:buNone/>
             </a:pPr>
-            <a:endParaRPr lang="pt-BR" dirty="0">
+            <a:endParaRPr lang="pt-BR" sz="2000" dirty="0">
               <a:latin typeface="Times New Roman" panose="02020603050405020304" pitchFamily="18" charset="0"/>
               <a:cs typeface="Times New Roman" panose="02020603050405020304" pitchFamily="18" charset="0"/>
             </a:endParaRPr>
@@ -4379,22 +4432,7 @@
             <a:pPr marL="0" indent="0" algn="just">
               <a:buNone/>
             </a:pPr>
-            <a:r>
-              <a:rPr lang="pt-BR" dirty="0">
-                <a:latin typeface="Times New Roman" panose="02020603050405020304" pitchFamily="18" charset="0"/>
-                <a:cs typeface="Times New Roman" panose="02020603050405020304" pitchFamily="18" charset="0"/>
-              </a:rPr>
-              <a:t>[2] Site: </a:t>
-            </a:r>
-            <a:r>
-              <a:rPr lang="pt-BR" dirty="0">
-                <a:latin typeface="Times New Roman" panose="02020603050405020304" pitchFamily="18" charset="0"/>
-                <a:cs typeface="Times New Roman" panose="02020603050405020304" pitchFamily="18" charset="0"/>
-                <a:hlinkClick r:id="rId4"/>
-              </a:rPr>
-              <a:t>https://docs.python.org/pt-br/3/tutorial/</a:t>
-            </a:r>
-            <a:endParaRPr lang="pt-BR" dirty="0">
+            <a:endParaRPr lang="pt-BR" sz="2000" dirty="0">
               <a:latin typeface="Times New Roman" panose="02020603050405020304" pitchFamily="18" charset="0"/>
               <a:cs typeface="Times New Roman" panose="02020603050405020304" pitchFamily="18" charset="0"/>
             </a:endParaRPr>
@@ -4403,7 +4441,7 @@
             <a:pPr marL="0" indent="0" algn="just">
               <a:buNone/>
             </a:pPr>
-            <a:endParaRPr lang="pt-BR" dirty="0">
+            <a:endParaRPr lang="pt-BR" sz="2000" dirty="0">
               <a:latin typeface="Times New Roman" panose="02020603050405020304" pitchFamily="18" charset="0"/>
               <a:cs typeface="Times New Roman" panose="02020603050405020304" pitchFamily="18" charset="0"/>
             </a:endParaRPr>
@@ -4412,7 +4450,7 @@
             <a:pPr marL="0" indent="0" algn="just">
               <a:buNone/>
             </a:pPr>
-            <a:endParaRPr lang="pt-BR" dirty="0">
+            <a:endParaRPr lang="pt-BR" sz="2000" dirty="0">
               <a:latin typeface="Times New Roman" panose="02020603050405020304" pitchFamily="18" charset="0"/>
               <a:cs typeface="Times New Roman" panose="02020603050405020304" pitchFamily="18" charset="0"/>
             </a:endParaRPr>
@@ -4421,25 +4459,7 @@
             <a:pPr marL="0" indent="0" algn="just">
               <a:buNone/>
             </a:pPr>
-            <a:endParaRPr lang="pt-BR" dirty="0">
-              <a:latin typeface="Times New Roman" panose="02020603050405020304" pitchFamily="18" charset="0"/>
-              <a:cs typeface="Times New Roman" panose="02020603050405020304" pitchFamily="18" charset="0"/>
-            </a:endParaRPr>
-          </a:p>
-          <a:p>
-            <a:pPr marL="0" indent="0" algn="just">
-              <a:buNone/>
-            </a:pPr>
-            <a:endParaRPr lang="pt-BR" dirty="0">
-              <a:latin typeface="Times New Roman" panose="02020603050405020304" pitchFamily="18" charset="0"/>
-              <a:cs typeface="Times New Roman" panose="02020603050405020304" pitchFamily="18" charset="0"/>
-            </a:endParaRPr>
-          </a:p>
-          <a:p>
-            <a:pPr marL="0" indent="0" algn="just">
-              <a:buNone/>
-            </a:pPr>
-            <a:endParaRPr lang="pt-BR" dirty="0">
+            <a:endParaRPr lang="pt-BR" sz="2000" dirty="0">
               <a:latin typeface="Calibri" panose="020F0502020204030204" pitchFamily="34" charset="0"/>
             </a:endParaRPr>
           </a:p>
@@ -4575,10 +4595,39 @@
             <a:pPr marL="0" indent="0" algn="just">
               <a:buNone/>
             </a:pPr>
-            <a:endParaRPr lang="pt-BR" sz="2000" dirty="0">
+            <a:endParaRPr lang="pt-BR" sz="2000">
               <a:latin typeface="Times New Roman" panose="02020603050405020304" pitchFamily="18" charset="0"/>
               <a:cs typeface="Times New Roman" panose="02020603050405020304" pitchFamily="18" charset="0"/>
+              <a:hlinkClick r:id="rId4"/>
             </a:endParaRPr>
+          </a:p>
+          <a:p>
+            <a:pPr marL="0" indent="0" algn="just">
+              <a:buNone/>
+            </a:pPr>
+            <a:r>
+              <a:rPr lang="pt-BR" sz="2000">
+                <a:latin typeface="Times New Roman" panose="02020603050405020304" pitchFamily="18" charset="0"/>
+                <a:cs typeface="Times New Roman" panose="02020603050405020304" pitchFamily="18" charset="0"/>
+                <a:hlinkClick r:id="rId4"/>
+              </a:rPr>
+              <a:t>https</a:t>
+            </a:r>
+            <a:r>
+              <a:rPr lang="pt-BR" sz="2000" dirty="0">
+                <a:latin typeface="Times New Roman" panose="02020603050405020304" pitchFamily="18" charset="0"/>
+                <a:cs typeface="Times New Roman" panose="02020603050405020304" pitchFamily="18" charset="0"/>
+                <a:hlinkClick r:id="rId4"/>
+              </a:rPr>
+              <a:t>://www.hashtagtreinamentos.com/estruturas-condicionais-no-python?gad=1&amp;gclid=Cj0KCQjw0bunBhD9ARIsAAZl0E0S7mLV8qZXM6TyYiBgGErp5v2P5MMo8-GXuCbrON_BdrKHSNVUfGwaAsOVEALw_wcB</a:t>
+            </a:r>
+            <a:r>
+              <a:rPr lang="pt-BR" sz="2000" dirty="0">
+                <a:latin typeface="Times New Roman" panose="02020603050405020304" pitchFamily="18" charset="0"/>
+                <a:cs typeface="Times New Roman" panose="02020603050405020304" pitchFamily="18" charset="0"/>
+              </a:rPr>
+              <a:t> </a:t>
+            </a:r>
           </a:p>
           <a:p>
             <a:pPr marL="0" indent="0" algn="just">
@@ -4593,6 +4642,15 @@
             <a:pPr marL="0" indent="0" algn="just">
               <a:buNone/>
             </a:pPr>
+            <a:endParaRPr lang="pt-BR" sz="2000" dirty="0">
+              <a:latin typeface="Times New Roman" panose="02020603050405020304" pitchFamily="18" charset="0"/>
+              <a:cs typeface="Times New Roman" panose="02020603050405020304" pitchFamily="18" charset="0"/>
+            </a:endParaRPr>
+          </a:p>
+          <a:p>
+            <a:pPr marL="0" indent="0" algn="just">
+              <a:buNone/>
+            </a:pPr>
             <a:r>
               <a:rPr lang="pt-BR" sz="2000" dirty="0">
                 <a:latin typeface="Times New Roman" panose="02020603050405020304" pitchFamily="18" charset="0"/>
@@ -4604,7 +4662,7 @@
               <a:rPr lang="pt-BR" sz="2000" dirty="0">
                 <a:latin typeface="Times New Roman" panose="02020603050405020304" pitchFamily="18" charset="0"/>
                 <a:cs typeface="Times New Roman" panose="02020603050405020304" pitchFamily="18" charset="0"/>
-                <a:hlinkClick r:id="rId4"/>
+                <a:hlinkClick r:id="rId5"/>
               </a:rPr>
               <a:t>https://www.programiz.com/python-programming/examples/swap-variables</a:t>
             </a:r>
@@ -6554,27 +6612,7 @@
                 <a:latin typeface="Times New Roman" panose="02020603050405020304" pitchFamily="18" charset="0"/>
                 <a:cs typeface="Times New Roman" panose="02020603050405020304" pitchFamily="18" charset="0"/>
               </a:rPr>
-              <a:t>sexo = </a:t>
-            </a:r>
-            <a:r>
-              <a:rPr lang="it-IT" b="1" dirty="0">
-                <a:solidFill>
-                  <a:schemeClr val="tx1"/>
-                </a:solidFill>
-                <a:latin typeface="Times New Roman" panose="02020603050405020304" pitchFamily="18" charset="0"/>
-                <a:cs typeface="Times New Roman" panose="02020603050405020304" pitchFamily="18" charset="0"/>
-              </a:rPr>
-              <a:t>str</a:t>
-            </a:r>
-            <a:r>
-              <a:rPr lang="it-IT" dirty="0">
-                <a:solidFill>
-                  <a:schemeClr val="tx1"/>
-                </a:solidFill>
-                <a:latin typeface="Times New Roman" panose="02020603050405020304" pitchFamily="18" charset="0"/>
-                <a:cs typeface="Times New Roman" panose="02020603050405020304" pitchFamily="18" charset="0"/>
-              </a:rPr>
-              <a:t>(input("Informe o sexo? "));</a:t>
+              <a:t>sexo = input("Informe o sexo? ");</a:t>
             </a:r>
           </a:p>
           <a:p>
@@ -7564,27 +7602,7 @@
                 <a:latin typeface="Times New Roman" panose="02020603050405020304" pitchFamily="18" charset="0"/>
                 <a:cs typeface="Times New Roman" panose="02020603050405020304" pitchFamily="18" charset="0"/>
               </a:rPr>
-              <a:t>sexo = </a:t>
-            </a:r>
-            <a:r>
-              <a:rPr lang="it-IT" b="1" dirty="0">
-                <a:solidFill>
-                  <a:schemeClr val="tx1"/>
-                </a:solidFill>
-                <a:latin typeface="Times New Roman" panose="02020603050405020304" pitchFamily="18" charset="0"/>
-                <a:cs typeface="Times New Roman" panose="02020603050405020304" pitchFamily="18" charset="0"/>
-              </a:rPr>
-              <a:t>str</a:t>
-            </a:r>
-            <a:r>
-              <a:rPr lang="it-IT" dirty="0">
-                <a:solidFill>
-                  <a:schemeClr val="tx1"/>
-                </a:solidFill>
-                <a:latin typeface="Times New Roman" panose="02020603050405020304" pitchFamily="18" charset="0"/>
-                <a:cs typeface="Times New Roman" panose="02020603050405020304" pitchFamily="18" charset="0"/>
-              </a:rPr>
-              <a:t>(input("Informe o sexo? "));</a:t>
+              <a:t>sexo = input("Informe o sexo? ");</a:t>
             </a:r>
           </a:p>
           <a:p>

--- a/01 Classes/Aula 04 Programação Python - Estrutura de Seleção.pptx
+++ b/01 Classes/Aula 04 Programação Python - Estrutura de Seleção.pptx
@@ -4341,18 +4341,21 @@
                 <a:cs typeface="Times New Roman" panose="02020603050405020304" pitchFamily="18" charset="0"/>
                 <a:hlinkClick r:id="rId3"/>
               </a:rPr>
-              <a:t>https://www.w3schools.com/python/python_variables.asp</a:t>
-            </a:r>
+              <a:t>https://www.w3schools.com/python/python_conditions.asp</a:t>
+            </a:r>
+            <a:r>
+              <a:rPr lang="pt-BR" sz="2000" dirty="0">
+                <a:latin typeface="Times New Roman" panose="02020603050405020304" pitchFamily="18" charset="0"/>
+                <a:cs typeface="Times New Roman" panose="02020603050405020304" pitchFamily="18" charset="0"/>
+              </a:rPr>
+              <a:t> </a:t>
+            </a:r>
+          </a:p>
+          <a:p>
+            <a:pPr marL="0" indent="0" algn="just">
+              <a:buNone/>
+            </a:pPr>
             <a:endParaRPr lang="pt-BR" sz="2000" dirty="0">
-              <a:latin typeface="Times New Roman" panose="02020603050405020304" pitchFamily="18" charset="0"/>
-              <a:cs typeface="Times New Roman" panose="02020603050405020304" pitchFamily="18" charset="0"/>
-            </a:endParaRPr>
-          </a:p>
-          <a:p>
-            <a:pPr marL="0" indent="0" algn="just">
-              <a:buNone/>
-            </a:pPr>
-            <a:endParaRPr lang="pt-BR" sz="2000">
               <a:latin typeface="Times New Roman" panose="02020603050405020304" pitchFamily="18" charset="0"/>
               <a:cs typeface="Times New Roman" panose="02020603050405020304" pitchFamily="18" charset="0"/>
               <a:hlinkClick r:id="rId4"/>
@@ -4362,29 +4365,11 @@
             <a:pPr marL="0" indent="0" algn="just">
               <a:buNone/>
             </a:pPr>
-            <a:r>
-              <a:rPr lang="pt-BR" sz="2000">
-                <a:latin typeface="Times New Roman" panose="02020603050405020304" pitchFamily="18" charset="0"/>
-                <a:cs typeface="Times New Roman" panose="02020603050405020304" pitchFamily="18" charset="0"/>
-                <a:hlinkClick r:id="rId4"/>
-              </a:rPr>
-              <a:t>https</a:t>
-            </a:r>
-            <a:r>
-              <a:rPr lang="pt-BR" sz="2000" dirty="0">
-                <a:latin typeface="Times New Roman" panose="02020603050405020304" pitchFamily="18" charset="0"/>
-                <a:cs typeface="Times New Roman" panose="02020603050405020304" pitchFamily="18" charset="0"/>
-                <a:hlinkClick r:id="rId4"/>
-              </a:rPr>
-              <a:t>://www.hashtagtreinamentos.com/estruturas-condicionais-no-python?gad=1&amp;gclid=Cj0KCQjw0bunBhD9ARIsAAZl0E0S7mLV8qZXM6TyYiBgGErp5v2P5MMo8-GXuCbrON_BdrKHSNVUfGwaAsOVEALw_wcB</a:t>
-            </a:r>
-            <a:r>
-              <a:rPr lang="pt-BR" sz="2000" dirty="0">
-                <a:latin typeface="Times New Roman" panose="02020603050405020304" pitchFamily="18" charset="0"/>
-                <a:cs typeface="Times New Roman" panose="02020603050405020304" pitchFamily="18" charset="0"/>
-              </a:rPr>
-              <a:t> </a:t>
-            </a:r>
+            <a:endParaRPr lang="pt-BR" sz="2000" dirty="0">
+              <a:latin typeface="Times New Roman" panose="02020603050405020304" pitchFamily="18" charset="0"/>
+              <a:cs typeface="Times New Roman" panose="02020603050405020304" pitchFamily="18" charset="0"/>
+              <a:hlinkClick r:id="rId4"/>
+            </a:endParaRPr>
           </a:p>
           <a:p>
             <a:pPr marL="0" indent="0" algn="just">
@@ -4393,6 +4378,7 @@
             <a:endParaRPr lang="pt-BR" sz="2000" dirty="0">
               <a:latin typeface="Times New Roman" panose="02020603050405020304" pitchFamily="18" charset="0"/>
               <a:cs typeface="Times New Roman" panose="02020603050405020304" pitchFamily="18" charset="0"/>
+              <a:hlinkClick r:id="rId4"/>
             </a:endParaRPr>
           </a:p>
           <a:p>
@@ -4576,7 +4562,7 @@
                 <a:latin typeface="Times New Roman" panose="02020603050405020304" pitchFamily="18" charset="0"/>
                 <a:cs typeface="Times New Roman" panose="02020603050405020304" pitchFamily="18" charset="0"/>
               </a:rPr>
-              <a:t>[1] </a:t>
+              <a:t>[1] Condicional: </a:t>
             </a:r>
             <a:r>
               <a:rPr lang="pt-BR" sz="2000" dirty="0">
@@ -4584,18 +4570,21 @@
                 <a:cs typeface="Times New Roman" panose="02020603050405020304" pitchFamily="18" charset="0"/>
                 <a:hlinkClick r:id="rId3"/>
               </a:rPr>
-              <a:t>https://www.programiz.com/python-programming/variables-constants-literals</a:t>
-            </a:r>
+              <a:t>https://youtu.be/F-0gMYhug9w</a:t>
+            </a:r>
+            <a:r>
+              <a:rPr lang="pt-BR" sz="2000" dirty="0">
+                <a:latin typeface="Times New Roman" panose="02020603050405020304" pitchFamily="18" charset="0"/>
+                <a:cs typeface="Times New Roman" panose="02020603050405020304" pitchFamily="18" charset="0"/>
+              </a:rPr>
+              <a:t> </a:t>
+            </a:r>
+          </a:p>
+          <a:p>
+            <a:pPr marL="0" indent="0" algn="just">
+              <a:buNone/>
+            </a:pPr>
             <a:endParaRPr lang="pt-BR" sz="2000" dirty="0">
-              <a:latin typeface="Times New Roman" panose="02020603050405020304" pitchFamily="18" charset="0"/>
-              <a:cs typeface="Times New Roman" panose="02020603050405020304" pitchFamily="18" charset="0"/>
-            </a:endParaRPr>
-          </a:p>
-          <a:p>
-            <a:pPr marL="0" indent="0" algn="just">
-              <a:buNone/>
-            </a:pPr>
-            <a:endParaRPr lang="pt-BR" sz="2000">
               <a:latin typeface="Times New Roman" panose="02020603050405020304" pitchFamily="18" charset="0"/>
               <a:cs typeface="Times New Roman" panose="02020603050405020304" pitchFamily="18" charset="0"/>
               <a:hlinkClick r:id="rId4"/>
@@ -4606,20 +4595,19 @@
               <a:buNone/>
             </a:pPr>
             <a:r>
-              <a:rPr lang="pt-BR" sz="2000">
+              <a:rPr lang="pt-BR" sz="2000" dirty="0">
+                <a:latin typeface="Times New Roman" panose="02020603050405020304" pitchFamily="18" charset="0"/>
+                <a:cs typeface="Times New Roman" panose="02020603050405020304" pitchFamily="18" charset="0"/>
+              </a:rPr>
+              <a:t>[2] Condicional: </a:t>
+            </a:r>
+            <a:r>
+              <a:rPr lang="pt-BR" sz="2000" dirty="0">
                 <a:latin typeface="Times New Roman" panose="02020603050405020304" pitchFamily="18" charset="0"/>
                 <a:cs typeface="Times New Roman" panose="02020603050405020304" pitchFamily="18" charset="0"/>
                 <a:hlinkClick r:id="rId4"/>
               </a:rPr>
-              <a:t>https</a:t>
-            </a:r>
-            <a:r>
-              <a:rPr lang="pt-BR" sz="2000" dirty="0">
-                <a:latin typeface="Times New Roman" panose="02020603050405020304" pitchFamily="18" charset="0"/>
-                <a:cs typeface="Times New Roman" panose="02020603050405020304" pitchFamily="18" charset="0"/>
-                <a:hlinkClick r:id="rId4"/>
-              </a:rPr>
-              <a:t>://www.hashtagtreinamentos.com/estruturas-condicionais-no-python?gad=1&amp;gclid=Cj0KCQjw0bunBhD9ARIsAAZl0E0S7mLV8qZXM6TyYiBgGErp5v2P5MMo8-GXuCbrON_BdrKHSNVUfGwaAsOVEALw_wcB</a:t>
+              <a:t>https://www.hashtagtreinamentos.com/estruturas-condicionais-no-python?gad=1&amp;gclid=Cj0KCQjw0bunBhD9ARIsAAZl0E0S7mLV8qZXM6TyYiBgGErp5v2P5MMo8-GXuCbrON_BdrKHSNVUfGwaAsOVEALw_wcB</a:t>
             </a:r>
             <a:r>
               <a:rPr lang="pt-BR" sz="2000" dirty="0">
@@ -4642,21 +4630,12 @@
             <a:pPr marL="0" indent="0" algn="just">
               <a:buNone/>
             </a:pPr>
-            <a:endParaRPr lang="pt-BR" sz="2000" dirty="0">
-              <a:latin typeface="Times New Roman" panose="02020603050405020304" pitchFamily="18" charset="0"/>
-              <a:cs typeface="Times New Roman" panose="02020603050405020304" pitchFamily="18" charset="0"/>
-            </a:endParaRPr>
-          </a:p>
-          <a:p>
-            <a:pPr marL="0" indent="0" algn="just">
-              <a:buNone/>
-            </a:pPr>
-            <a:r>
-              <a:rPr lang="pt-BR" sz="2000" dirty="0">
-                <a:latin typeface="Times New Roman" panose="02020603050405020304" pitchFamily="18" charset="0"/>
-                <a:cs typeface="Times New Roman" panose="02020603050405020304" pitchFamily="18" charset="0"/>
-              </a:rPr>
-              <a:t>[2] </a:t>
+            <a:r>
+              <a:rPr lang="pt-BR" sz="2000">
+                <a:latin typeface="Times New Roman" panose="02020603050405020304" pitchFamily="18" charset="0"/>
+                <a:cs typeface="Times New Roman" panose="02020603050405020304" pitchFamily="18" charset="0"/>
+              </a:rPr>
+              <a:t>[3] </a:t>
             </a:r>
             <a:r>
               <a:rPr lang="pt-BR" sz="2000" dirty="0">
@@ -6406,7 +6385,7 @@
                 <a:latin typeface="Times New Roman" panose="02020603050405020304" pitchFamily="18" charset="0"/>
                 <a:cs typeface="Times New Roman" panose="02020603050405020304" pitchFamily="18" charset="0"/>
               </a:rPr>
-              <a:t>	instruções;</a:t>
+              <a:t>	instruções</a:t>
             </a:r>
           </a:p>
           <a:p>
@@ -6612,7 +6591,7 @@
                 <a:latin typeface="Times New Roman" panose="02020603050405020304" pitchFamily="18" charset="0"/>
                 <a:cs typeface="Times New Roman" panose="02020603050405020304" pitchFamily="18" charset="0"/>
               </a:rPr>
-              <a:t>sexo = input("Informe o sexo? ");</a:t>
+              <a:t>sexo = input("Informe o sexo? ")</a:t>
             </a:r>
           </a:p>
           <a:p>
@@ -6652,7 +6631,7 @@
                 <a:latin typeface="Times New Roman" panose="02020603050405020304" pitchFamily="18" charset="0"/>
                 <a:cs typeface="Times New Roman" panose="02020603050405020304" pitchFamily="18" charset="0"/>
               </a:rPr>
-              <a:t>    print("masculino");</a:t>
+              <a:t>    print("masculino")</a:t>
             </a:r>
           </a:p>
           <a:p>
@@ -6704,7 +6683,7 @@
                 <a:latin typeface="Times New Roman" panose="02020603050405020304" pitchFamily="18" charset="0"/>
                 <a:cs typeface="Times New Roman" panose="02020603050405020304" pitchFamily="18" charset="0"/>
               </a:rPr>
-              <a:t>    print("feminino");</a:t>
+              <a:t>    print("feminino")</a:t>
             </a:r>
           </a:p>
           <a:p>
@@ -7362,7 +7341,7 @@
                 <a:latin typeface="Times New Roman" panose="02020603050405020304" pitchFamily="18" charset="0"/>
                 <a:cs typeface="Times New Roman" panose="02020603050405020304" pitchFamily="18" charset="0"/>
               </a:rPr>
-              <a:t>	instruções;</a:t>
+              <a:t>	instruções 1</a:t>
             </a:r>
           </a:p>
           <a:p>
@@ -7412,7 +7391,7 @@
                 <a:latin typeface="Times New Roman" panose="02020603050405020304" pitchFamily="18" charset="0"/>
                 <a:cs typeface="Times New Roman" panose="02020603050405020304" pitchFamily="18" charset="0"/>
               </a:rPr>
-              <a:t> 	instruções;</a:t>
+              <a:t> 	instruções 2</a:t>
             </a:r>
             <a:endParaRPr lang="pt-BR" dirty="0">
               <a:solidFill>
@@ -7602,7 +7581,7 @@
                 <a:latin typeface="Times New Roman" panose="02020603050405020304" pitchFamily="18" charset="0"/>
                 <a:cs typeface="Times New Roman" panose="02020603050405020304" pitchFamily="18" charset="0"/>
               </a:rPr>
-              <a:t>sexo = input("Informe o sexo? ");</a:t>
+              <a:t>sexo = input("Informe o sexo? ")</a:t>
             </a:r>
           </a:p>
           <a:p>
@@ -7642,7 +7621,7 @@
                 <a:latin typeface="Times New Roman" panose="02020603050405020304" pitchFamily="18" charset="0"/>
                 <a:cs typeface="Times New Roman" panose="02020603050405020304" pitchFamily="18" charset="0"/>
               </a:rPr>
-              <a:t>    print("masculino");</a:t>
+              <a:t>    print("masculino")</a:t>
             </a:r>
           </a:p>
           <a:p>
@@ -7679,7 +7658,7 @@
                 <a:latin typeface="Times New Roman" panose="02020603050405020304" pitchFamily="18" charset="0"/>
                 <a:cs typeface="Times New Roman" panose="02020603050405020304" pitchFamily="18" charset="0"/>
               </a:rPr>
-              <a:t>    print("feminino");</a:t>
+              <a:t>    print("feminino")</a:t>
             </a:r>
           </a:p>
           <a:p>
@@ -7860,7 +7839,7 @@
                 <a:latin typeface="Times New Roman" panose="02020603050405020304" pitchFamily="18" charset="0"/>
                 <a:cs typeface="Times New Roman" panose="02020603050405020304" pitchFamily="18" charset="0"/>
               </a:rPr>
-              <a:t>cor = “azul’; // semáforo</a:t>
+              <a:t>cor = ‘azul’; // semáforo</a:t>
             </a:r>
           </a:p>
           <a:p>
@@ -7920,7 +7899,7 @@
                 <a:latin typeface="Times New Roman" panose="02020603050405020304" pitchFamily="18" charset="0"/>
                 <a:cs typeface="Times New Roman" panose="02020603050405020304" pitchFamily="18" charset="0"/>
               </a:rPr>
-              <a:t>(“Acelerar”);</a:t>
+              <a:t>(‘Acelerar”)</a:t>
             </a:r>
           </a:p>
           <a:p>
@@ -7980,7 +7959,7 @@
                 <a:latin typeface="Times New Roman" panose="02020603050405020304" pitchFamily="18" charset="0"/>
                 <a:cs typeface="Times New Roman" panose="02020603050405020304" pitchFamily="18" charset="0"/>
               </a:rPr>
-              <a:t>(‘Atenção’);</a:t>
+              <a:t>(‘Atenção’)</a:t>
             </a:r>
           </a:p>
           <a:p>
@@ -8040,7 +8019,7 @@
                 <a:latin typeface="Times New Roman" panose="02020603050405020304" pitchFamily="18" charset="0"/>
                 <a:cs typeface="Times New Roman" panose="02020603050405020304" pitchFamily="18" charset="0"/>
               </a:rPr>
-              <a:t>(‘Parar’);</a:t>
+              <a:t>(‘Parar’)</a:t>
             </a:r>
           </a:p>
         </p:txBody>
